--- a/test/pptx/layouts/moved.pptx
+++ b/test/pptx/layouts/moved.pptx
@@ -203,7 +203,7 @@
           <a:p>
             <a:fld id="{0F9C1CCF-B725-44A7-AA57-5E433BD85C9F}" type="datetimeFigureOut">
               <a:rPr lang="en-US" smtClean="0"/>
-              <a:t>4/5/2019</a:t>
+              <a:t>1/2/22</a:t>
             </a:fld>
             <a:endParaRPr lang="en-US"/>
           </a:p>
@@ -221,8 +221,8 @@
         </p:nvSpPr>
         <p:spPr>
           <a:xfrm>
-            <a:off x="1371600" y="1143000"/>
-            <a:ext cx="4114800" cy="3086100"/>
+            <a:off x="685800" y="1143000"/>
+            <a:ext cx="5486400" cy="3086100"/>
           </a:xfrm>
           <a:prstGeom prst="rect">
             <a:avLst/>
@@ -267,38 +267,37 @@
           <a:p>
             <a:pPr lvl="0"/>
             <a:r>
-              <a:rPr lang="en-US" smtClean="0"/>
+              <a:rPr lang="en-US"/>
               <a:t>Click to edit Master text styles</a:t>
             </a:r>
           </a:p>
           <a:p>
             <a:pPr lvl="1"/>
             <a:r>
-              <a:rPr lang="en-US" smtClean="0"/>
+              <a:rPr lang="en-US"/>
               <a:t>Second level</a:t>
             </a:r>
           </a:p>
           <a:p>
             <a:pPr lvl="2"/>
             <a:r>
-              <a:rPr lang="en-US" smtClean="0"/>
+              <a:rPr lang="en-US"/>
               <a:t>Third level</a:t>
             </a:r>
           </a:p>
           <a:p>
             <a:pPr lvl="3"/>
             <a:r>
-              <a:rPr lang="en-US" smtClean="0"/>
+              <a:rPr lang="en-US"/>
               <a:t>Fourth level</a:t>
             </a:r>
           </a:p>
           <a:p>
             <a:pPr lvl="4"/>
             <a:r>
-              <a:rPr lang="en-US" smtClean="0"/>
+              <a:rPr lang="en-US"/>
               <a:t>Fifth level</a:t>
             </a:r>
-            <a:endParaRPr lang="en-US"/>
           </a:p>
         </p:txBody>
       </p:sp>
@@ -515,7 +514,7 @@
           <a:bodyPr/>
           <a:lstStyle/>
           <a:p>
-            <a:pPr lvl="0" marL="0" indent="0">
+            <a:pPr lvl="0" indent="0" marL="0">
               <a:buNone/>
             </a:pPr>
             <a:r>
@@ -6190,7 +6189,7 @@
           <a:bodyPr/>
           <a:lstStyle/>
           <a:p>
-            <a:pPr lvl="0" marL="0" indent="0">
+            <a:pPr lvl="0" indent="0" marL="0">
               <a:buNone/>
             </a:pPr>
             <a:r>
@@ -6220,7 +6219,7 @@
           <a:bodyPr/>
           <a:lstStyle/>
           <a:p>
-            <a:pPr lvl="0" marL="0" indent="0">
+            <a:pPr lvl="0" indent="0" marL="0">
               <a:buNone/>
             </a:pPr>
             <a:br/>
@@ -6265,7 +6264,7 @@
           <a:bodyPr/>
           <a:lstStyle/>
           <a:p>
-            <a:pPr lvl="0" marL="0" indent="0">
+            <a:pPr lvl="0" indent="0" marL="0">
               <a:buNone/>
             </a:pPr>
             <a:r>
@@ -6290,7 +6289,7 @@
           <a:bodyPr/>
           <a:lstStyle/>
           <a:p>
-            <a:pPr lvl="0" marL="0" indent="0">
+            <a:pPr lvl="0" indent="0" marL="0">
               <a:buNone/>
             </a:pPr>
             <a:r>
@@ -6337,7 +6336,7 @@
           <a:bodyPr/>
           <a:lstStyle/>
           <a:p>
-            <a:pPr lvl="0" marL="0" indent="0">
+            <a:pPr lvl="0" indent="0" marL="0">
               <a:buNone/>
             </a:pPr>
             <a:r>
@@ -6362,7 +6361,7 @@
           <a:bodyPr/>
           <a:lstStyle/>
           <a:p>
-            <a:pPr lvl="0" marL="0" indent="0">
+            <a:pPr lvl="0" indent="0" marL="0">
               <a:buNone/>
             </a:pPr>
             <a:r>
@@ -6387,7 +6386,7 @@
           <a:bodyPr/>
           <a:lstStyle/>
           <a:p>
-            <a:pPr lvl="0" marL="0" indent="0">
+            <a:pPr lvl="0" indent="0" marL="0">
               <a:buNone/>
             </a:pPr>
             <a:r>
@@ -6439,7 +6438,7 @@
           <a:bodyPr/>
           <a:lstStyle/>
           <a:p>
-            <a:pPr lvl="0" marL="0" indent="0">
+            <a:pPr lvl="0" indent="0" marL="0">
               <a:buNone/>
             </a:pPr>
             <a:r>
@@ -6464,7 +6463,7 @@
           <a:bodyPr/>
           <a:lstStyle/>
           <a:p>
-            <a:pPr lvl="0" marL="0" indent="0">
+            <a:pPr lvl="0" indent="0" marL="0">
               <a:buNone/>
             </a:pPr>
             <a:r>
@@ -6524,7 +6523,7 @@
           <a:bodyPr/>
           <a:lstStyle/>
           <a:p>
-            <a:pPr lvl="0" marL="0" indent="0" algn="ctr">
+            <a:pPr lvl="0" indent="0" marL="0" algn="ctr">
               <a:buNone/>
             </a:pPr>
             <a:r>
@@ -6576,7 +6575,7 @@
           <a:bodyPr/>
           <a:lstStyle/>
           <a:p>
-            <a:pPr lvl="0" marL="0" indent="0">
+            <a:pPr lvl="0" indent="0" marL="0">
               <a:buNone/>
             </a:pPr>
             <a:r>
@@ -6601,7 +6600,7 @@
           <a:bodyPr/>
           <a:lstStyle/>
           <a:p>
-            <a:pPr lvl="0" marL="0" indent="0">
+            <a:pPr lvl="0" indent="0" marL="0">
               <a:buNone/>
             </a:pPr>
             <a:r>
@@ -6661,7 +6660,7 @@
           <a:bodyPr/>
           <a:lstStyle/>
           <a:p>
-            <a:pPr lvl="0" marL="0" indent="0" algn="ctr">
+            <a:pPr lvl="0" indent="0" marL="0" algn="ctr">
               <a:buNone/>
             </a:pPr>
             <a:r>
@@ -6686,7 +6685,7 @@
           <a:bodyPr/>
           <a:lstStyle/>
           <a:p>
-            <a:pPr lvl="0" marL="0" indent="0">
+            <a:pPr lvl="0" indent="0" marL="0">
               <a:buNone/>
             </a:pPr>
             <a:r>
@@ -6738,7 +6737,7 @@
           <a:bodyPr/>
           <a:lstStyle/>
           <a:p>
-            <a:pPr lvl="0" marL="0" indent="0">
+            <a:pPr lvl="0" indent="0" marL="0">
               <a:buNone/>
             </a:pPr>
             <a:r>
